--- a/Handling_data/Presentations/05 - Selenium - загрузка изображений.pptx
+++ b/Handling_data/Presentations/05 - Selenium - загрузка изображений.pptx
@@ -269,7 +269,7 @@
           <a:p>
             <a:fld id="{388EA2BA-2399-4208-9B55-9DABA0FBBB66}" type="datetimeFigureOut">
               <a:rPr lang="ru-RU" smtClean="0"/>
-              <a:t>13.11.2022</a:t>
+              <a:t>15.11.2022</a:t>
             </a:fld>
             <a:endParaRPr lang="ru-RU"/>
           </a:p>
@@ -467,7 +467,7 @@
           <a:p>
             <a:fld id="{388EA2BA-2399-4208-9B55-9DABA0FBBB66}" type="datetimeFigureOut">
               <a:rPr lang="ru-RU" smtClean="0"/>
-              <a:t>13.11.2022</a:t>
+              <a:t>15.11.2022</a:t>
             </a:fld>
             <a:endParaRPr lang="ru-RU"/>
           </a:p>
@@ -675,7 +675,7 @@
           <a:p>
             <a:fld id="{388EA2BA-2399-4208-9B55-9DABA0FBBB66}" type="datetimeFigureOut">
               <a:rPr lang="ru-RU" smtClean="0"/>
-              <a:t>13.11.2022</a:t>
+              <a:t>15.11.2022</a:t>
             </a:fld>
             <a:endParaRPr lang="ru-RU"/>
           </a:p>
@@ -873,7 +873,7 @@
           <a:p>
             <a:fld id="{388EA2BA-2399-4208-9B55-9DABA0FBBB66}" type="datetimeFigureOut">
               <a:rPr lang="ru-RU" smtClean="0"/>
-              <a:t>13.11.2022</a:t>
+              <a:t>15.11.2022</a:t>
             </a:fld>
             <a:endParaRPr lang="ru-RU"/>
           </a:p>
@@ -1148,7 +1148,7 @@
           <a:p>
             <a:fld id="{388EA2BA-2399-4208-9B55-9DABA0FBBB66}" type="datetimeFigureOut">
               <a:rPr lang="ru-RU" smtClean="0"/>
-              <a:t>13.11.2022</a:t>
+              <a:t>15.11.2022</a:t>
             </a:fld>
             <a:endParaRPr lang="ru-RU"/>
           </a:p>
@@ -1413,7 +1413,7 @@
           <a:p>
             <a:fld id="{388EA2BA-2399-4208-9B55-9DABA0FBBB66}" type="datetimeFigureOut">
               <a:rPr lang="ru-RU" smtClean="0"/>
-              <a:t>13.11.2022</a:t>
+              <a:t>15.11.2022</a:t>
             </a:fld>
             <a:endParaRPr lang="ru-RU"/>
           </a:p>
@@ -1825,7 +1825,7 @@
           <a:p>
             <a:fld id="{388EA2BA-2399-4208-9B55-9DABA0FBBB66}" type="datetimeFigureOut">
               <a:rPr lang="ru-RU" smtClean="0"/>
-              <a:t>13.11.2022</a:t>
+              <a:t>15.11.2022</a:t>
             </a:fld>
             <a:endParaRPr lang="ru-RU"/>
           </a:p>
@@ -1966,7 +1966,7 @@
           <a:p>
             <a:fld id="{388EA2BA-2399-4208-9B55-9DABA0FBBB66}" type="datetimeFigureOut">
               <a:rPr lang="ru-RU" smtClean="0"/>
-              <a:t>13.11.2022</a:t>
+              <a:t>15.11.2022</a:t>
             </a:fld>
             <a:endParaRPr lang="ru-RU"/>
           </a:p>
@@ -2079,7 +2079,7 @@
           <a:p>
             <a:fld id="{388EA2BA-2399-4208-9B55-9DABA0FBBB66}" type="datetimeFigureOut">
               <a:rPr lang="ru-RU" smtClean="0"/>
-              <a:t>13.11.2022</a:t>
+              <a:t>15.11.2022</a:t>
             </a:fld>
             <a:endParaRPr lang="ru-RU"/>
           </a:p>
@@ -2390,7 +2390,7 @@
           <a:p>
             <a:fld id="{388EA2BA-2399-4208-9B55-9DABA0FBBB66}" type="datetimeFigureOut">
               <a:rPr lang="ru-RU" smtClean="0"/>
-              <a:t>13.11.2022</a:t>
+              <a:t>15.11.2022</a:t>
             </a:fld>
             <a:endParaRPr lang="ru-RU"/>
           </a:p>
@@ -2678,7 +2678,7 @@
           <a:p>
             <a:fld id="{388EA2BA-2399-4208-9B55-9DABA0FBBB66}" type="datetimeFigureOut">
               <a:rPr lang="ru-RU" smtClean="0"/>
-              <a:t>13.11.2022</a:t>
+              <a:t>15.11.2022</a:t>
             </a:fld>
             <a:endParaRPr lang="ru-RU"/>
           </a:p>
@@ -2919,7 +2919,7 @@
           <a:p>
             <a:fld id="{388EA2BA-2399-4208-9B55-9DABA0FBBB66}" type="datetimeFigureOut">
               <a:rPr lang="ru-RU" smtClean="0"/>
-              <a:t>13.11.2022</a:t>
+              <a:t>15.11.2022</a:t>
             </a:fld>
             <a:endParaRPr lang="ru-RU"/>
           </a:p>
